--- a/Refernece/reference_book_picture.pptx
+++ b/Refernece/reference_book_picture.pptx
@@ -6,6 +6,7 @@
   </p:sldMasterIdLst>
   <p:sldIdLst>
     <p:sldId id="256" r:id="rId2"/>
+    <p:sldId id="257" r:id="rId3"/>
   </p:sldIdLst>
   <p:sldSz cx="12192000" cy="6858000"/>
   <p:notesSz cx="6858000" cy="9144000"/>
@@ -104,6 +105,11 @@
       </a:defRPr>
     </a:lvl9pPr>
   </p:defaultTextStyle>
+  <p:extLst>
+    <p:ext uri="{EFAFB233-063F-42B5-8137-9DF3F51BA10A}">
+      <p15:sldGuideLst xmlns:p15="http://schemas.microsoft.com/office/powerpoint/2012/main"/>
+    </p:ext>
+  </p:extLst>
 </p:presentation>
 </file>
 
@@ -254,7 +260,7 @@
           <a:p>
             <a:fld id="{2597ED48-70A6-4D4C-9E5B-F1A5BB343DA5}" type="datetimeFigureOut">
               <a:rPr lang="zh-CN" altLang="en-US" smtClean="0"/>
-              <a:t>2020/2/5</a:t>
+              <a:t>2020/2/9</a:t>
             </a:fld>
             <a:endParaRPr lang="zh-CN" altLang="en-US"/>
           </a:p>
@@ -452,7 +458,7 @@
           <a:p>
             <a:fld id="{2597ED48-70A6-4D4C-9E5B-F1A5BB343DA5}" type="datetimeFigureOut">
               <a:rPr lang="zh-CN" altLang="en-US" smtClean="0"/>
-              <a:t>2020/2/5</a:t>
+              <a:t>2020/2/9</a:t>
             </a:fld>
             <a:endParaRPr lang="zh-CN" altLang="en-US"/>
           </a:p>
@@ -660,7 +666,7 @@
           <a:p>
             <a:fld id="{2597ED48-70A6-4D4C-9E5B-F1A5BB343DA5}" type="datetimeFigureOut">
               <a:rPr lang="zh-CN" altLang="en-US" smtClean="0"/>
-              <a:t>2020/2/5</a:t>
+              <a:t>2020/2/9</a:t>
             </a:fld>
             <a:endParaRPr lang="zh-CN" altLang="en-US"/>
           </a:p>
@@ -858,7 +864,7 @@
           <a:p>
             <a:fld id="{2597ED48-70A6-4D4C-9E5B-F1A5BB343DA5}" type="datetimeFigureOut">
               <a:rPr lang="zh-CN" altLang="en-US" smtClean="0"/>
-              <a:t>2020/2/5</a:t>
+              <a:t>2020/2/9</a:t>
             </a:fld>
             <a:endParaRPr lang="zh-CN" altLang="en-US"/>
           </a:p>
@@ -1133,7 +1139,7 @@
           <a:p>
             <a:fld id="{2597ED48-70A6-4D4C-9E5B-F1A5BB343DA5}" type="datetimeFigureOut">
               <a:rPr lang="zh-CN" altLang="en-US" smtClean="0"/>
-              <a:t>2020/2/5</a:t>
+              <a:t>2020/2/9</a:t>
             </a:fld>
             <a:endParaRPr lang="zh-CN" altLang="en-US"/>
           </a:p>
@@ -1398,7 +1404,7 @@
           <a:p>
             <a:fld id="{2597ED48-70A6-4D4C-9E5B-F1A5BB343DA5}" type="datetimeFigureOut">
               <a:rPr lang="zh-CN" altLang="en-US" smtClean="0"/>
-              <a:t>2020/2/5</a:t>
+              <a:t>2020/2/9</a:t>
             </a:fld>
             <a:endParaRPr lang="zh-CN" altLang="en-US"/>
           </a:p>
@@ -1810,7 +1816,7 @@
           <a:p>
             <a:fld id="{2597ED48-70A6-4D4C-9E5B-F1A5BB343DA5}" type="datetimeFigureOut">
               <a:rPr lang="zh-CN" altLang="en-US" smtClean="0"/>
-              <a:t>2020/2/5</a:t>
+              <a:t>2020/2/9</a:t>
             </a:fld>
             <a:endParaRPr lang="zh-CN" altLang="en-US"/>
           </a:p>
@@ -1951,7 +1957,7 @@
           <a:p>
             <a:fld id="{2597ED48-70A6-4D4C-9E5B-F1A5BB343DA5}" type="datetimeFigureOut">
               <a:rPr lang="zh-CN" altLang="en-US" smtClean="0"/>
-              <a:t>2020/2/5</a:t>
+              <a:t>2020/2/9</a:t>
             </a:fld>
             <a:endParaRPr lang="zh-CN" altLang="en-US"/>
           </a:p>
@@ -2064,7 +2070,7 @@
           <a:p>
             <a:fld id="{2597ED48-70A6-4D4C-9E5B-F1A5BB343DA5}" type="datetimeFigureOut">
               <a:rPr lang="zh-CN" altLang="en-US" smtClean="0"/>
-              <a:t>2020/2/5</a:t>
+              <a:t>2020/2/9</a:t>
             </a:fld>
             <a:endParaRPr lang="zh-CN" altLang="en-US"/>
           </a:p>
@@ -2375,7 +2381,7 @@
           <a:p>
             <a:fld id="{2597ED48-70A6-4D4C-9E5B-F1A5BB343DA5}" type="datetimeFigureOut">
               <a:rPr lang="zh-CN" altLang="en-US" smtClean="0"/>
-              <a:t>2020/2/5</a:t>
+              <a:t>2020/2/9</a:t>
             </a:fld>
             <a:endParaRPr lang="zh-CN" altLang="en-US"/>
           </a:p>
@@ -2663,7 +2669,7 @@
           <a:p>
             <a:fld id="{2597ED48-70A6-4D4C-9E5B-F1A5BB343DA5}" type="datetimeFigureOut">
               <a:rPr lang="zh-CN" altLang="en-US" smtClean="0"/>
-              <a:t>2020/2/5</a:t>
+              <a:t>2020/2/9</a:t>
             </a:fld>
             <a:endParaRPr lang="zh-CN" altLang="en-US"/>
           </a:p>
@@ -2904,7 +2910,7 @@
           <a:p>
             <a:fld id="{2597ED48-70A6-4D4C-9E5B-F1A5BB343DA5}" type="datetimeFigureOut">
               <a:rPr lang="zh-CN" altLang="en-US" smtClean="0"/>
-              <a:t>2020/2/5</a:t>
+              <a:t>2020/2/9</a:t>
             </a:fld>
             <a:endParaRPr lang="zh-CN" altLang="en-US"/>
           </a:p>
@@ -3748,6 +3754,737 @@
 </p:sld>
 </file>
 
+<file path=ppt/slides/slide2.xml><?xml version="1.0" encoding="utf-8"?>
+<p:sld xmlns:a="http://schemas.openxmlformats.org/drawingml/2006/main" xmlns:r="http://schemas.openxmlformats.org/officeDocument/2006/relationships" xmlns:p="http://schemas.openxmlformats.org/presentationml/2006/main">
+  <p:cSld>
+    <p:spTree>
+      <p:nvGrpSpPr>
+        <p:cNvPr id="1" name=""/>
+        <p:cNvGrpSpPr/>
+        <p:nvPr/>
+      </p:nvGrpSpPr>
+      <p:grpSpPr>
+        <a:xfrm>
+          <a:off x="0" y="0"/>
+          <a:ext cx="0" cy="0"/>
+          <a:chOff x="0" y="0"/>
+          <a:chExt cx="0" cy="0"/>
+        </a:xfrm>
+      </p:grpSpPr>
+      <p:sp>
+        <p:nvSpPr>
+          <p:cNvPr id="5" name="文本框 4">
+            <a:extLst>
+              <a:ext uri="{FF2B5EF4-FFF2-40B4-BE49-F238E27FC236}">
+                <a16:creationId xmlns:a16="http://schemas.microsoft.com/office/drawing/2014/main" id="{D89FA053-6C48-4DDA-89CD-4F3A095EFE23}"/>
+              </a:ext>
+            </a:extLst>
+          </p:cNvPr>
+          <p:cNvSpPr txBox="1"/>
+          <p:nvPr/>
+        </p:nvSpPr>
+        <p:spPr>
+          <a:xfrm>
+            <a:off x="1233888" y="0"/>
+            <a:ext cx="9287219" cy="369332"/>
+          </a:xfrm>
+          <a:prstGeom prst="rect">
+            <a:avLst/>
+          </a:prstGeom>
+          <a:noFill/>
+        </p:spPr>
+        <p:txBody>
+          <a:bodyPr wrap="square" rtlCol="0">
+            <a:spAutoFit/>
+          </a:bodyPr>
+          <a:lstStyle/>
+          <a:p>
+            <a:pPr algn="ctr"/>
+            <a:r>
+              <a:rPr lang="zh-CN" altLang="en-US" dirty="0"/>
+              <a:t>如何快速深入的学习一个新技术或者是一个知识点</a:t>
+            </a:r>
+          </a:p>
+        </p:txBody>
+      </p:sp>
+      <p:sp>
+        <p:nvSpPr>
+          <p:cNvPr id="7" name="矩形: 圆角 6">
+            <a:extLst>
+              <a:ext uri="{FF2B5EF4-FFF2-40B4-BE49-F238E27FC236}">
+                <a16:creationId xmlns:a16="http://schemas.microsoft.com/office/drawing/2014/main" id="{ADD4ADC8-D142-4170-91CF-181F0BE406B4}"/>
+              </a:ext>
+            </a:extLst>
+          </p:cNvPr>
+          <p:cNvSpPr/>
+          <p:nvPr/>
+        </p:nvSpPr>
+        <p:spPr>
+          <a:xfrm>
+            <a:off x="113839" y="997025"/>
+            <a:ext cx="3709015" cy="2016088"/>
+          </a:xfrm>
+          <a:prstGeom prst="roundRect">
+            <a:avLst/>
+          </a:prstGeom>
+        </p:spPr>
+        <p:style>
+          <a:lnRef idx="0">
+            <a:schemeClr val="accent5"/>
+          </a:lnRef>
+          <a:fillRef idx="3">
+            <a:schemeClr val="accent5"/>
+          </a:fillRef>
+          <a:effectRef idx="3">
+            <a:schemeClr val="accent5"/>
+          </a:effectRef>
+          <a:fontRef idx="minor">
+            <a:schemeClr val="lt1"/>
+          </a:fontRef>
+        </p:style>
+        <p:txBody>
+          <a:bodyPr rtlCol="0" anchor="ctr"/>
+          <a:lstStyle/>
+          <a:p>
+            <a:r>
+              <a:rPr lang="zh-CN" altLang="en-US" dirty="0"/>
+              <a:t>我们有一个需求</a:t>
+            </a:r>
+            <a:endParaRPr lang="en-US" altLang="zh-CN" dirty="0"/>
+          </a:p>
+          <a:p>
+            <a:r>
+              <a:rPr lang="en-US" altLang="zh-CN" dirty="0"/>
+              <a:t>1.</a:t>
+            </a:r>
+            <a:r>
+              <a:rPr lang="zh-CN" altLang="en-US" dirty="0"/>
+              <a:t>项目开发时，我们需要解决某个问题</a:t>
+            </a:r>
+            <a:r>
+              <a:rPr lang="en-US" altLang="zh-CN" dirty="0"/>
+              <a:t>【</a:t>
+            </a:r>
+            <a:r>
+              <a:rPr lang="zh-CN" altLang="en-US" dirty="0"/>
+              <a:t>如：</a:t>
+            </a:r>
+            <a:r>
+              <a:rPr lang="en-US" altLang="zh-CN" dirty="0"/>
+              <a:t>05</a:t>
+            </a:r>
+            <a:r>
+              <a:rPr lang="zh-CN" altLang="en-US" dirty="0"/>
+              <a:t>年，搜狐，网易面临的页面布局刷新问题</a:t>
+            </a:r>
+            <a:r>
+              <a:rPr lang="en-US" altLang="zh-CN" dirty="0"/>
+              <a:t>】</a:t>
+            </a:r>
+          </a:p>
+          <a:p>
+            <a:r>
+              <a:rPr lang="en-US" altLang="zh-CN" dirty="0"/>
+              <a:t>2.</a:t>
+            </a:r>
+            <a:r>
+              <a:rPr lang="zh-CN" altLang="en-US" dirty="0"/>
+              <a:t>跳槽，学习新技术</a:t>
+            </a:r>
+          </a:p>
+        </p:txBody>
+      </p:sp>
+      <p:sp>
+        <p:nvSpPr>
+          <p:cNvPr id="8" name="矩形: 圆角 7">
+            <a:extLst>
+              <a:ext uri="{FF2B5EF4-FFF2-40B4-BE49-F238E27FC236}">
+                <a16:creationId xmlns:a16="http://schemas.microsoft.com/office/drawing/2014/main" id="{6C1DB1EA-6E13-4FD2-B0B9-69C493B18477}"/>
+              </a:ext>
+            </a:extLst>
+          </p:cNvPr>
+          <p:cNvSpPr/>
+          <p:nvPr/>
+        </p:nvSpPr>
+        <p:spPr>
+          <a:xfrm>
+            <a:off x="4483866" y="754654"/>
+            <a:ext cx="3602516" cy="2500830"/>
+          </a:xfrm>
+          <a:prstGeom prst="roundRect">
+            <a:avLst/>
+          </a:prstGeom>
+        </p:spPr>
+        <p:style>
+          <a:lnRef idx="0">
+            <a:schemeClr val="accent6"/>
+          </a:lnRef>
+          <a:fillRef idx="3">
+            <a:schemeClr val="accent6"/>
+          </a:fillRef>
+          <a:effectRef idx="3">
+            <a:schemeClr val="accent6"/>
+          </a:effectRef>
+          <a:fontRef idx="minor">
+            <a:schemeClr val="lt1"/>
+          </a:fontRef>
+        </p:style>
+        <p:txBody>
+          <a:bodyPr rtlCol="0" anchor="ctr"/>
+          <a:lstStyle/>
+          <a:p>
+            <a:r>
+              <a:rPr lang="zh-CN" altLang="en-US" dirty="0"/>
+              <a:t>先看看使用现有的技术能否解决这个问题</a:t>
+            </a:r>
+            <a:endParaRPr lang="en-US" altLang="zh-CN" dirty="0"/>
+          </a:p>
+          <a:p>
+            <a:r>
+              <a:rPr lang="zh-CN" altLang="en-US" dirty="0"/>
+              <a:t>可以解决</a:t>
+            </a:r>
+            <a:endParaRPr lang="en-US" altLang="zh-CN" dirty="0"/>
+          </a:p>
+          <a:p>
+            <a:r>
+              <a:rPr lang="zh-CN" altLang="en-US" dirty="0"/>
+              <a:t>（</a:t>
+            </a:r>
+            <a:r>
+              <a:rPr lang="en-US" altLang="zh-CN" dirty="0"/>
+              <a:t>1</a:t>
+            </a:r>
+            <a:r>
+              <a:rPr lang="zh-CN" altLang="en-US" dirty="0"/>
+              <a:t>）使用传统的方法：如</a:t>
+            </a:r>
+            <a:r>
+              <a:rPr lang="en-US" altLang="zh-CN" dirty="0"/>
+              <a:t>iframe</a:t>
+            </a:r>
+          </a:p>
+          <a:p>
+            <a:r>
+              <a:rPr lang="zh-CN" altLang="en-US" dirty="0"/>
+              <a:t>发现使用传统的方法可以解决，但是不够好</a:t>
+            </a:r>
+            <a:endParaRPr lang="en-US" altLang="zh-CN" dirty="0"/>
+          </a:p>
+          <a:p>
+            <a:r>
+              <a:rPr lang="zh-CN" altLang="en-US" dirty="0"/>
+              <a:t>（</a:t>
+            </a:r>
+            <a:r>
+              <a:rPr lang="en-US" altLang="zh-CN" dirty="0"/>
+              <a:t>2</a:t>
+            </a:r>
+            <a:r>
+              <a:rPr lang="zh-CN" altLang="en-US" dirty="0"/>
+              <a:t>）使用新技术</a:t>
+            </a:r>
+          </a:p>
+        </p:txBody>
+      </p:sp>
+      <p:sp>
+        <p:nvSpPr>
+          <p:cNvPr id="9" name="矩形: 圆角 8">
+            <a:extLst>
+              <a:ext uri="{FF2B5EF4-FFF2-40B4-BE49-F238E27FC236}">
+                <a16:creationId xmlns:a16="http://schemas.microsoft.com/office/drawing/2014/main" id="{474B7ED5-6EFA-4D01-BD86-408391F068AE}"/>
+              </a:ext>
+            </a:extLst>
+          </p:cNvPr>
+          <p:cNvSpPr/>
+          <p:nvPr/>
+        </p:nvSpPr>
+        <p:spPr>
+          <a:xfrm>
+            <a:off x="8475645" y="754654"/>
+            <a:ext cx="3602516" cy="2500830"/>
+          </a:xfrm>
+          <a:prstGeom prst="roundRect">
+            <a:avLst/>
+          </a:prstGeom>
+        </p:spPr>
+        <p:style>
+          <a:lnRef idx="0">
+            <a:schemeClr val="accent6"/>
+          </a:lnRef>
+          <a:fillRef idx="3">
+            <a:schemeClr val="accent6"/>
+          </a:fillRef>
+          <a:effectRef idx="3">
+            <a:schemeClr val="accent6"/>
+          </a:effectRef>
+          <a:fontRef idx="minor">
+            <a:schemeClr val="lt1"/>
+          </a:fontRef>
+        </p:style>
+        <p:txBody>
+          <a:bodyPr rtlCol="0" anchor="ctr"/>
+          <a:lstStyle/>
+          <a:p>
+            <a:r>
+              <a:rPr lang="zh-CN" altLang="en-US" dirty="0"/>
+              <a:t>学习一下新技术或者知识点的</a:t>
+            </a:r>
+            <a:endParaRPr lang="en-US" altLang="zh-CN" dirty="0"/>
+          </a:p>
+          <a:p>
+            <a:r>
+              <a:rPr lang="zh-CN" altLang="en-US" dirty="0"/>
+              <a:t>（</a:t>
+            </a:r>
+            <a:r>
+              <a:rPr lang="en-US" altLang="zh-CN" dirty="0"/>
+              <a:t>1</a:t>
+            </a:r>
+            <a:r>
+              <a:rPr lang="zh-CN" altLang="en-US" dirty="0"/>
+              <a:t>）原理</a:t>
+            </a:r>
+            <a:endParaRPr lang="en-US" altLang="zh-CN" dirty="0"/>
+          </a:p>
+          <a:p>
+            <a:r>
+              <a:rPr lang="zh-CN" altLang="en-US" dirty="0"/>
+              <a:t>（</a:t>
+            </a:r>
+            <a:r>
+              <a:rPr lang="en-US" altLang="zh-CN" dirty="0"/>
+              <a:t>2</a:t>
+            </a:r>
+            <a:r>
+              <a:rPr lang="zh-CN" altLang="en-US" dirty="0"/>
+              <a:t>）基本语法</a:t>
+            </a:r>
+          </a:p>
+        </p:txBody>
+      </p:sp>
+      <p:sp>
+        <p:nvSpPr>
+          <p:cNvPr id="10" name="箭头: 右 9">
+            <a:extLst>
+              <a:ext uri="{FF2B5EF4-FFF2-40B4-BE49-F238E27FC236}">
+                <a16:creationId xmlns:a16="http://schemas.microsoft.com/office/drawing/2014/main" id="{68490457-6249-40D9-86F6-F1ED0AFBD5A2}"/>
+              </a:ext>
+            </a:extLst>
+          </p:cNvPr>
+          <p:cNvSpPr/>
+          <p:nvPr/>
+        </p:nvSpPr>
+        <p:spPr>
+          <a:xfrm>
+            <a:off x="3822854" y="1806766"/>
+            <a:ext cx="749146" cy="561861"/>
+          </a:xfrm>
+          <a:prstGeom prst="rightArrow">
+            <a:avLst/>
+          </a:prstGeom>
+        </p:spPr>
+        <p:style>
+          <a:lnRef idx="2">
+            <a:schemeClr val="dk1">
+              <a:shade val="50000"/>
+            </a:schemeClr>
+          </a:lnRef>
+          <a:fillRef idx="1">
+            <a:schemeClr val="dk1"/>
+          </a:fillRef>
+          <a:effectRef idx="0">
+            <a:schemeClr val="dk1"/>
+          </a:effectRef>
+          <a:fontRef idx="minor">
+            <a:schemeClr val="lt1"/>
+          </a:fontRef>
+        </p:style>
+        <p:txBody>
+          <a:bodyPr rtlCol="0" anchor="ctr"/>
+          <a:lstStyle/>
+          <a:p>
+            <a:pPr algn="ctr"/>
+            <a:endParaRPr lang="zh-CN" altLang="en-US"/>
+          </a:p>
+        </p:txBody>
+      </p:sp>
+      <p:sp>
+        <p:nvSpPr>
+          <p:cNvPr id="11" name="箭头: 右 10">
+            <a:extLst>
+              <a:ext uri="{FF2B5EF4-FFF2-40B4-BE49-F238E27FC236}">
+                <a16:creationId xmlns:a16="http://schemas.microsoft.com/office/drawing/2014/main" id="{F88196D0-7993-470F-8EDA-6FF96AF03D39}"/>
+              </a:ext>
+            </a:extLst>
+          </p:cNvPr>
+          <p:cNvSpPr/>
+          <p:nvPr/>
+        </p:nvSpPr>
+        <p:spPr>
+          <a:xfrm>
+            <a:off x="7906442" y="1898572"/>
+            <a:ext cx="749146" cy="561861"/>
+          </a:xfrm>
+          <a:prstGeom prst="rightArrow">
+            <a:avLst/>
+          </a:prstGeom>
+        </p:spPr>
+        <p:style>
+          <a:lnRef idx="2">
+            <a:schemeClr val="dk1">
+              <a:shade val="50000"/>
+            </a:schemeClr>
+          </a:lnRef>
+          <a:fillRef idx="1">
+            <a:schemeClr val="dk1"/>
+          </a:fillRef>
+          <a:effectRef idx="0">
+            <a:schemeClr val="dk1"/>
+          </a:effectRef>
+          <a:fontRef idx="minor">
+            <a:schemeClr val="lt1"/>
+          </a:fontRef>
+        </p:style>
+        <p:txBody>
+          <a:bodyPr rtlCol="0" anchor="ctr"/>
+          <a:lstStyle/>
+          <a:p>
+            <a:pPr algn="ctr"/>
+            <a:endParaRPr lang="zh-CN" altLang="en-US"/>
+          </a:p>
+        </p:txBody>
+      </p:sp>
+      <p:sp>
+        <p:nvSpPr>
+          <p:cNvPr id="12" name="箭头: 右 11">
+            <a:extLst>
+              <a:ext uri="{FF2B5EF4-FFF2-40B4-BE49-F238E27FC236}">
+                <a16:creationId xmlns:a16="http://schemas.microsoft.com/office/drawing/2014/main" id="{C1FD1CBB-4E0B-4FCD-8E3C-792F874E4A01}"/>
+              </a:ext>
+            </a:extLst>
+          </p:cNvPr>
+          <p:cNvSpPr/>
+          <p:nvPr/>
+        </p:nvSpPr>
+        <p:spPr>
+          <a:xfrm rot="5400000">
+            <a:off x="9841389" y="3321586"/>
+            <a:ext cx="749146" cy="561861"/>
+          </a:xfrm>
+          <a:prstGeom prst="rightArrow">
+            <a:avLst/>
+          </a:prstGeom>
+        </p:spPr>
+        <p:style>
+          <a:lnRef idx="2">
+            <a:schemeClr val="dk1">
+              <a:shade val="50000"/>
+            </a:schemeClr>
+          </a:lnRef>
+          <a:fillRef idx="1">
+            <a:schemeClr val="dk1"/>
+          </a:fillRef>
+          <a:effectRef idx="0">
+            <a:schemeClr val="dk1"/>
+          </a:effectRef>
+          <a:fontRef idx="minor">
+            <a:schemeClr val="lt1"/>
+          </a:fontRef>
+        </p:style>
+        <p:txBody>
+          <a:bodyPr rtlCol="0" anchor="ctr"/>
+          <a:lstStyle/>
+          <a:p>
+            <a:pPr algn="ctr"/>
+            <a:endParaRPr lang="zh-CN" altLang="en-US"/>
+          </a:p>
+        </p:txBody>
+      </p:sp>
+      <p:sp>
+        <p:nvSpPr>
+          <p:cNvPr id="14" name="矩形: 圆角 13">
+            <a:extLst>
+              <a:ext uri="{FF2B5EF4-FFF2-40B4-BE49-F238E27FC236}">
+                <a16:creationId xmlns:a16="http://schemas.microsoft.com/office/drawing/2014/main" id="{C516F952-9389-4F96-AF03-F294B7F01A96}"/>
+              </a:ext>
+            </a:extLst>
+          </p:cNvPr>
+          <p:cNvSpPr/>
+          <p:nvPr/>
+        </p:nvSpPr>
+        <p:spPr>
+          <a:xfrm>
+            <a:off x="8281015" y="4090929"/>
+            <a:ext cx="3602516" cy="2500830"/>
+          </a:xfrm>
+          <a:prstGeom prst="roundRect">
+            <a:avLst/>
+          </a:prstGeom>
+        </p:spPr>
+        <p:style>
+          <a:lnRef idx="0">
+            <a:schemeClr val="accent6"/>
+          </a:lnRef>
+          <a:fillRef idx="3">
+            <a:schemeClr val="accent6"/>
+          </a:fillRef>
+          <a:effectRef idx="3">
+            <a:schemeClr val="accent6"/>
+          </a:effectRef>
+          <a:fontRef idx="minor">
+            <a:schemeClr val="lt1"/>
+          </a:fontRef>
+        </p:style>
+        <p:txBody>
+          <a:bodyPr rtlCol="0" anchor="ctr"/>
+          <a:lstStyle/>
+          <a:p>
+            <a:r>
+              <a:rPr lang="zh-CN" altLang="en-US" dirty="0"/>
+              <a:t>快速入门案例</a:t>
+            </a:r>
+            <a:endParaRPr lang="en-US" altLang="zh-CN" dirty="0"/>
+          </a:p>
+          <a:p>
+            <a:endParaRPr lang="en-US" altLang="zh-CN" dirty="0"/>
+          </a:p>
+          <a:p>
+            <a:r>
+              <a:rPr lang="en-US" altLang="zh-CN" dirty="0"/>
+              <a:t>1.</a:t>
+            </a:r>
+            <a:r>
+              <a:rPr lang="zh-CN" altLang="en-US" dirty="0"/>
+              <a:t>简单</a:t>
+            </a:r>
+            <a:endParaRPr lang="en-US" altLang="zh-CN" dirty="0"/>
+          </a:p>
+          <a:p>
+            <a:r>
+              <a:rPr lang="en-US" altLang="zh-CN" dirty="0"/>
+              <a:t>2.</a:t>
+            </a:r>
+            <a:r>
+              <a:rPr lang="zh-CN" altLang="en-US" dirty="0"/>
+              <a:t>了解新技术或者知识点的基本使用</a:t>
+            </a:r>
+            <a:endParaRPr lang="en-US" altLang="zh-CN" dirty="0"/>
+          </a:p>
+          <a:p>
+            <a:endParaRPr lang="en-US" altLang="zh-CN" dirty="0"/>
+          </a:p>
+          <a:p>
+            <a:r>
+              <a:rPr lang="zh-CN" altLang="en-US" dirty="0"/>
+              <a:t>这里不需要涉及技术细节</a:t>
+            </a:r>
+          </a:p>
+        </p:txBody>
+      </p:sp>
+      <p:sp>
+        <p:nvSpPr>
+          <p:cNvPr id="15" name="箭头: 右 14">
+            <a:extLst>
+              <a:ext uri="{FF2B5EF4-FFF2-40B4-BE49-F238E27FC236}">
+                <a16:creationId xmlns:a16="http://schemas.microsoft.com/office/drawing/2014/main" id="{35091A43-4FCD-42E3-8D48-7845B1EE01BD}"/>
+              </a:ext>
+            </a:extLst>
+          </p:cNvPr>
+          <p:cNvSpPr/>
+          <p:nvPr/>
+        </p:nvSpPr>
+        <p:spPr>
+          <a:xfrm rot="10800000">
+            <a:off x="7531869" y="5236685"/>
+            <a:ext cx="749146" cy="561861"/>
+          </a:xfrm>
+          <a:prstGeom prst="rightArrow">
+            <a:avLst/>
+          </a:prstGeom>
+        </p:spPr>
+        <p:style>
+          <a:lnRef idx="2">
+            <a:schemeClr val="dk1">
+              <a:shade val="50000"/>
+            </a:schemeClr>
+          </a:lnRef>
+          <a:fillRef idx="1">
+            <a:schemeClr val="dk1"/>
+          </a:fillRef>
+          <a:effectRef idx="0">
+            <a:schemeClr val="dk1"/>
+          </a:effectRef>
+          <a:fontRef idx="minor">
+            <a:schemeClr val="lt1"/>
+          </a:fontRef>
+        </p:style>
+        <p:txBody>
+          <a:bodyPr rtlCol="0" anchor="ctr"/>
+          <a:lstStyle/>
+          <a:p>
+            <a:pPr algn="ctr"/>
+            <a:endParaRPr lang="zh-CN" altLang="en-US"/>
+          </a:p>
+        </p:txBody>
+      </p:sp>
+      <p:sp>
+        <p:nvSpPr>
+          <p:cNvPr id="16" name="矩形: 圆角 15">
+            <a:extLst>
+              <a:ext uri="{FF2B5EF4-FFF2-40B4-BE49-F238E27FC236}">
+                <a16:creationId xmlns:a16="http://schemas.microsoft.com/office/drawing/2014/main" id="{6E2BD616-166E-4335-A04A-13D991E00ACC}"/>
+              </a:ext>
+            </a:extLst>
+          </p:cNvPr>
+          <p:cNvSpPr/>
+          <p:nvPr/>
+        </p:nvSpPr>
+        <p:spPr>
+          <a:xfrm>
+            <a:off x="3929352" y="4090929"/>
+            <a:ext cx="3602516" cy="2500830"/>
+          </a:xfrm>
+          <a:prstGeom prst="roundRect">
+            <a:avLst/>
+          </a:prstGeom>
+        </p:spPr>
+        <p:style>
+          <a:lnRef idx="0">
+            <a:schemeClr val="accent2"/>
+          </a:lnRef>
+          <a:fillRef idx="3">
+            <a:schemeClr val="accent2"/>
+          </a:fillRef>
+          <a:effectRef idx="3">
+            <a:schemeClr val="accent2"/>
+          </a:effectRef>
+          <a:fontRef idx="minor">
+            <a:schemeClr val="lt1"/>
+          </a:fontRef>
+        </p:style>
+        <p:txBody>
+          <a:bodyPr rtlCol="0" anchor="ctr"/>
+          <a:lstStyle/>
+          <a:p>
+            <a:r>
+              <a:rPr lang="zh-CN" altLang="en-US" dirty="0"/>
+              <a:t>讨论这个新技术或者知识点的细节</a:t>
+            </a:r>
+            <a:endParaRPr lang="en-US" altLang="zh-CN" dirty="0"/>
+          </a:p>
+          <a:p>
+            <a:r>
+              <a:rPr lang="zh-CN" altLang="en-US" dirty="0"/>
+              <a:t>（</a:t>
+            </a:r>
+            <a:r>
+              <a:rPr lang="en-US" altLang="zh-CN" dirty="0"/>
+              <a:t>1</a:t>
+            </a:r>
+            <a:r>
+              <a:rPr lang="zh-CN" altLang="en-US" dirty="0"/>
+              <a:t>）怎么使用规范</a:t>
+            </a:r>
+            <a:endParaRPr lang="en-US" altLang="zh-CN" dirty="0"/>
+          </a:p>
+          <a:p>
+            <a:r>
+              <a:rPr lang="zh-CN" altLang="en-US" dirty="0"/>
+              <a:t>（</a:t>
+            </a:r>
+            <a:r>
+              <a:rPr lang="en-US" altLang="zh-CN" dirty="0"/>
+              <a:t>2</a:t>
+            </a:r>
+            <a:r>
+              <a:rPr lang="zh-CN" altLang="en-US" dirty="0"/>
+              <a:t>）使用细节</a:t>
+            </a:r>
+            <a:endParaRPr lang="en-US" altLang="zh-CN" dirty="0"/>
+          </a:p>
+          <a:p>
+            <a:r>
+              <a:rPr lang="zh-CN" altLang="en-US" dirty="0"/>
+              <a:t>（</a:t>
+            </a:r>
+            <a:r>
+              <a:rPr lang="en-US" altLang="zh-CN" dirty="0"/>
+              <a:t>3</a:t>
+            </a:r>
+            <a:r>
+              <a:rPr lang="zh-CN" altLang="en-US" dirty="0"/>
+              <a:t>）需要使用时，注意什么。。。</a:t>
+            </a:r>
+            <a:endParaRPr lang="en-US" altLang="zh-CN" dirty="0"/>
+          </a:p>
+          <a:p>
+            <a:r>
+              <a:rPr lang="zh-CN" altLang="en-US" dirty="0"/>
+              <a:t>体现一个程序员的水平</a:t>
+            </a:r>
+          </a:p>
+        </p:txBody>
+      </p:sp>
+      <p:sp>
+        <p:nvSpPr>
+          <p:cNvPr id="17" name="箭头: 右 16">
+            <a:extLst>
+              <a:ext uri="{FF2B5EF4-FFF2-40B4-BE49-F238E27FC236}">
+                <a16:creationId xmlns:a16="http://schemas.microsoft.com/office/drawing/2014/main" id="{3C482DEA-42B8-4418-AF04-966A3AEE62F4}"/>
+              </a:ext>
+            </a:extLst>
+          </p:cNvPr>
+          <p:cNvSpPr/>
+          <p:nvPr/>
+        </p:nvSpPr>
+        <p:spPr>
+          <a:xfrm rot="13255900">
+            <a:off x="1176692" y="4107781"/>
+            <a:ext cx="3006469" cy="561861"/>
+          </a:xfrm>
+          <a:prstGeom prst="rightArrow">
+            <a:avLst/>
+          </a:prstGeom>
+        </p:spPr>
+        <p:style>
+          <a:lnRef idx="2">
+            <a:schemeClr val="dk1">
+              <a:shade val="50000"/>
+            </a:schemeClr>
+          </a:lnRef>
+          <a:fillRef idx="1">
+            <a:schemeClr val="dk1"/>
+          </a:fillRef>
+          <a:effectRef idx="0">
+            <a:schemeClr val="dk1"/>
+          </a:effectRef>
+          <a:fontRef idx="minor">
+            <a:schemeClr val="lt1"/>
+          </a:fontRef>
+        </p:style>
+        <p:txBody>
+          <a:bodyPr rtlCol="0" anchor="ctr"/>
+          <a:lstStyle/>
+          <a:p>
+            <a:pPr algn="ctr"/>
+            <a:endParaRPr lang="zh-CN" altLang="en-US"/>
+          </a:p>
+        </p:txBody>
+      </p:sp>
+    </p:spTree>
+    <p:extLst>
+      <p:ext uri="{BB962C8B-B14F-4D97-AF65-F5344CB8AC3E}">
+        <p14:creationId xmlns:p14="http://schemas.microsoft.com/office/powerpoint/2010/main" val="1137170154"/>
+      </p:ext>
+    </p:extLst>
+  </p:cSld>
+  <p:clrMapOvr>
+    <a:masterClrMapping/>
+  </p:clrMapOvr>
+</p:sld>
+</file>
+
 <file path=ppt/theme/theme1.xml><?xml version="1.0" encoding="utf-8"?>
 <a:theme xmlns:a="http://schemas.openxmlformats.org/drawingml/2006/main" name="Office 主题​​">
   <a:themeElements>

--- a/Refernece/reference_book_picture.pptx
+++ b/Refernece/reference_book_picture.pptx
@@ -7,6 +7,9 @@
   <p:sldIdLst>
     <p:sldId id="256" r:id="rId2"/>
     <p:sldId id="257" r:id="rId3"/>
+    <p:sldId id="258" r:id="rId4"/>
+    <p:sldId id="259" r:id="rId5"/>
+    <p:sldId id="260" r:id="rId6"/>
   </p:sldIdLst>
   <p:sldSz cx="12192000" cy="6858000"/>
   <p:notesSz cx="6858000" cy="9144000"/>
@@ -260,7 +263,7 @@
           <a:p>
             <a:fld id="{2597ED48-70A6-4D4C-9E5B-F1A5BB343DA5}" type="datetimeFigureOut">
               <a:rPr lang="zh-CN" altLang="en-US" smtClean="0"/>
-              <a:t>2020/2/9</a:t>
+              <a:t>2020/2/19</a:t>
             </a:fld>
             <a:endParaRPr lang="zh-CN" altLang="en-US"/>
           </a:p>
@@ -458,7 +461,7 @@
           <a:p>
             <a:fld id="{2597ED48-70A6-4D4C-9E5B-F1A5BB343DA5}" type="datetimeFigureOut">
               <a:rPr lang="zh-CN" altLang="en-US" smtClean="0"/>
-              <a:t>2020/2/9</a:t>
+              <a:t>2020/2/19</a:t>
             </a:fld>
             <a:endParaRPr lang="zh-CN" altLang="en-US"/>
           </a:p>
@@ -666,7 +669,7 @@
           <a:p>
             <a:fld id="{2597ED48-70A6-4D4C-9E5B-F1A5BB343DA5}" type="datetimeFigureOut">
               <a:rPr lang="zh-CN" altLang="en-US" smtClean="0"/>
-              <a:t>2020/2/9</a:t>
+              <a:t>2020/2/19</a:t>
             </a:fld>
             <a:endParaRPr lang="zh-CN" altLang="en-US"/>
           </a:p>
@@ -864,7 +867,7 @@
           <a:p>
             <a:fld id="{2597ED48-70A6-4D4C-9E5B-F1A5BB343DA5}" type="datetimeFigureOut">
               <a:rPr lang="zh-CN" altLang="en-US" smtClean="0"/>
-              <a:t>2020/2/9</a:t>
+              <a:t>2020/2/19</a:t>
             </a:fld>
             <a:endParaRPr lang="zh-CN" altLang="en-US"/>
           </a:p>
@@ -1139,7 +1142,7 @@
           <a:p>
             <a:fld id="{2597ED48-70A6-4D4C-9E5B-F1A5BB343DA5}" type="datetimeFigureOut">
               <a:rPr lang="zh-CN" altLang="en-US" smtClean="0"/>
-              <a:t>2020/2/9</a:t>
+              <a:t>2020/2/19</a:t>
             </a:fld>
             <a:endParaRPr lang="zh-CN" altLang="en-US"/>
           </a:p>
@@ -1404,7 +1407,7 @@
           <a:p>
             <a:fld id="{2597ED48-70A6-4D4C-9E5B-F1A5BB343DA5}" type="datetimeFigureOut">
               <a:rPr lang="zh-CN" altLang="en-US" smtClean="0"/>
-              <a:t>2020/2/9</a:t>
+              <a:t>2020/2/19</a:t>
             </a:fld>
             <a:endParaRPr lang="zh-CN" altLang="en-US"/>
           </a:p>
@@ -1816,7 +1819,7 @@
           <a:p>
             <a:fld id="{2597ED48-70A6-4D4C-9E5B-F1A5BB343DA5}" type="datetimeFigureOut">
               <a:rPr lang="zh-CN" altLang="en-US" smtClean="0"/>
-              <a:t>2020/2/9</a:t>
+              <a:t>2020/2/19</a:t>
             </a:fld>
             <a:endParaRPr lang="zh-CN" altLang="en-US"/>
           </a:p>
@@ -1957,7 +1960,7 @@
           <a:p>
             <a:fld id="{2597ED48-70A6-4D4C-9E5B-F1A5BB343DA5}" type="datetimeFigureOut">
               <a:rPr lang="zh-CN" altLang="en-US" smtClean="0"/>
-              <a:t>2020/2/9</a:t>
+              <a:t>2020/2/19</a:t>
             </a:fld>
             <a:endParaRPr lang="zh-CN" altLang="en-US"/>
           </a:p>
@@ -2070,7 +2073,7 @@
           <a:p>
             <a:fld id="{2597ED48-70A6-4D4C-9E5B-F1A5BB343DA5}" type="datetimeFigureOut">
               <a:rPr lang="zh-CN" altLang="en-US" smtClean="0"/>
-              <a:t>2020/2/9</a:t>
+              <a:t>2020/2/19</a:t>
             </a:fld>
             <a:endParaRPr lang="zh-CN" altLang="en-US"/>
           </a:p>
@@ -2381,7 +2384,7 @@
           <a:p>
             <a:fld id="{2597ED48-70A6-4D4C-9E5B-F1A5BB343DA5}" type="datetimeFigureOut">
               <a:rPr lang="zh-CN" altLang="en-US" smtClean="0"/>
-              <a:t>2020/2/9</a:t>
+              <a:t>2020/2/19</a:t>
             </a:fld>
             <a:endParaRPr lang="zh-CN" altLang="en-US"/>
           </a:p>
@@ -2669,7 +2672,7 @@
           <a:p>
             <a:fld id="{2597ED48-70A6-4D4C-9E5B-F1A5BB343DA5}" type="datetimeFigureOut">
               <a:rPr lang="zh-CN" altLang="en-US" smtClean="0"/>
-              <a:t>2020/2/9</a:t>
+              <a:t>2020/2/19</a:t>
             </a:fld>
             <a:endParaRPr lang="zh-CN" altLang="en-US"/>
           </a:p>
@@ -2910,7 +2913,7 @@
           <a:p>
             <a:fld id="{2597ED48-70A6-4D4C-9E5B-F1A5BB343DA5}" type="datetimeFigureOut">
               <a:rPr lang="zh-CN" altLang="en-US" smtClean="0"/>
-              <a:t>2020/2/9</a:t>
+              <a:t>2020/2/19</a:t>
             </a:fld>
             <a:endParaRPr lang="zh-CN" altLang="en-US"/>
           </a:p>
@@ -4485,6 +4488,1050 @@
 </p:sld>
 </file>
 
+<file path=ppt/slides/slide3.xml><?xml version="1.0" encoding="utf-8"?>
+<p:sld xmlns:a="http://schemas.openxmlformats.org/drawingml/2006/main" xmlns:r="http://schemas.openxmlformats.org/officeDocument/2006/relationships" xmlns:p="http://schemas.openxmlformats.org/presentationml/2006/main">
+  <p:cSld>
+    <p:spTree>
+      <p:nvGrpSpPr>
+        <p:cNvPr id="1" name=""/>
+        <p:cNvGrpSpPr/>
+        <p:nvPr/>
+      </p:nvGrpSpPr>
+      <p:grpSpPr>
+        <a:xfrm>
+          <a:off x="0" y="0"/>
+          <a:ext cx="0" cy="0"/>
+          <a:chOff x="0" y="0"/>
+          <a:chExt cx="0" cy="0"/>
+        </a:xfrm>
+      </p:grpSpPr>
+      <p:sp>
+        <p:nvSpPr>
+          <p:cNvPr id="19" name="矩形: 折角 18">
+            <a:extLst>
+              <a:ext uri="{FF2B5EF4-FFF2-40B4-BE49-F238E27FC236}">
+                <a16:creationId xmlns:a16="http://schemas.microsoft.com/office/drawing/2014/main" id="{92718069-8544-4BAC-A8E1-1A6038E2D6BF}"/>
+              </a:ext>
+            </a:extLst>
+          </p:cNvPr>
+          <p:cNvSpPr/>
+          <p:nvPr/>
+        </p:nvSpPr>
+        <p:spPr>
+          <a:xfrm>
+            <a:off x="8843630" y="317499"/>
+            <a:ext cx="2776870" cy="1766845"/>
+          </a:xfrm>
+          <a:prstGeom prst="foldedCorner">
+            <a:avLst>
+              <a:gd name="adj" fmla="val 31771"/>
+            </a:avLst>
+          </a:prstGeom>
+        </p:spPr>
+        <p:style>
+          <a:lnRef idx="1">
+            <a:schemeClr val="accent2"/>
+          </a:lnRef>
+          <a:fillRef idx="2">
+            <a:schemeClr val="accent2"/>
+          </a:fillRef>
+          <a:effectRef idx="1">
+            <a:schemeClr val="accent2"/>
+          </a:effectRef>
+          <a:fontRef idx="minor">
+            <a:schemeClr val="dk1"/>
+          </a:fontRef>
+        </p:style>
+        <p:txBody>
+          <a:bodyPr rtlCol="0" anchor="ctr"/>
+          <a:lstStyle/>
+          <a:p>
+            <a:pPr algn="ctr"/>
+            <a:r>
+              <a:rPr lang="zh-CN" altLang="en-US" sz="3200" dirty="0">
+                <a:ln w="0"/>
+                <a:solidFill>
+                  <a:schemeClr val="tx1"/>
+                </a:solidFill>
+                <a:effectLst>
+                  <a:outerShdw blurRad="38100" dist="19050" dir="2700000" algn="tl" rotWithShape="0">
+                    <a:schemeClr val="dk1">
+                      <a:alpha val="40000"/>
+                    </a:schemeClr>
+                  </a:outerShdw>
+                </a:effectLst>
+              </a:rPr>
+              <a:t>结果</a:t>
+            </a:r>
+          </a:p>
+        </p:txBody>
+      </p:sp>
+      <p:sp>
+        <p:nvSpPr>
+          <p:cNvPr id="7" name="矩形: 折角 6">
+            <a:extLst>
+              <a:ext uri="{FF2B5EF4-FFF2-40B4-BE49-F238E27FC236}">
+                <a16:creationId xmlns:a16="http://schemas.microsoft.com/office/drawing/2014/main" id="{C93F3F64-886E-4C7C-9693-17647DBD20A5}"/>
+              </a:ext>
+            </a:extLst>
+          </p:cNvPr>
+          <p:cNvSpPr/>
+          <p:nvPr/>
+        </p:nvSpPr>
+        <p:spPr>
+          <a:xfrm>
+            <a:off x="4657949" y="317500"/>
+            <a:ext cx="2776870" cy="1766845"/>
+          </a:xfrm>
+          <a:prstGeom prst="foldedCorner">
+            <a:avLst>
+              <a:gd name="adj" fmla="val 31771"/>
+            </a:avLst>
+          </a:prstGeom>
+        </p:spPr>
+        <p:style>
+          <a:lnRef idx="1">
+            <a:schemeClr val="accent2"/>
+          </a:lnRef>
+          <a:fillRef idx="2">
+            <a:schemeClr val="accent2"/>
+          </a:fillRef>
+          <a:effectRef idx="1">
+            <a:schemeClr val="accent2"/>
+          </a:effectRef>
+          <a:fontRef idx="minor">
+            <a:schemeClr val="dk1"/>
+          </a:fontRef>
+        </p:style>
+        <p:txBody>
+          <a:bodyPr rtlCol="0" anchor="ctr"/>
+          <a:lstStyle/>
+          <a:p>
+            <a:pPr algn="ctr"/>
+            <a:r>
+              <a:rPr lang="zh-CN" altLang="en-US" sz="2400" dirty="0">
+                <a:ln w="0"/>
+                <a:solidFill>
+                  <a:schemeClr val="tx1"/>
+                </a:solidFill>
+                <a:effectLst>
+                  <a:outerShdw blurRad="38100" dist="19050" dir="2700000" algn="tl" rotWithShape="0">
+                    <a:schemeClr val="dk1">
+                      <a:alpha val="40000"/>
+                    </a:schemeClr>
+                  </a:outerShdw>
+                </a:effectLst>
+              </a:rPr>
+              <a:t>可执行文件</a:t>
+            </a:r>
+            <a:endParaRPr lang="en-US" altLang="zh-CN" sz="2400" dirty="0">
+              <a:ln w="0"/>
+              <a:solidFill>
+                <a:schemeClr val="tx1"/>
+              </a:solidFill>
+              <a:effectLst>
+                <a:outerShdw blurRad="38100" dist="19050" dir="2700000" algn="tl" rotWithShape="0">
+                  <a:schemeClr val="dk1">
+                    <a:alpha val="40000"/>
+                  </a:schemeClr>
+                </a:outerShdw>
+              </a:effectLst>
+            </a:endParaRPr>
+          </a:p>
+          <a:p>
+            <a:pPr algn="ctr"/>
+            <a:r>
+              <a:rPr lang="zh-CN" altLang="en-US" sz="2400" dirty="0">
+                <a:ln w="0"/>
+                <a:solidFill>
+                  <a:schemeClr val="tx1"/>
+                </a:solidFill>
+                <a:effectLst>
+                  <a:outerShdw blurRad="38100" dist="19050" dir="2700000" algn="tl" rotWithShape="0">
+                    <a:schemeClr val="dk1">
+                      <a:alpha val="40000"/>
+                    </a:schemeClr>
+                  </a:outerShdw>
+                </a:effectLst>
+              </a:rPr>
+              <a:t>（</a:t>
+            </a:r>
+            <a:r>
+              <a:rPr lang="en-US" altLang="zh-CN" sz="2400" dirty="0">
+                <a:ln w="0"/>
+                <a:solidFill>
+                  <a:schemeClr val="tx1"/>
+                </a:solidFill>
+                <a:effectLst>
+                  <a:outerShdw blurRad="38100" dist="19050" dir="2700000" algn="tl" rotWithShape="0">
+                    <a:schemeClr val="dk1">
+                      <a:alpha val="40000"/>
+                    </a:schemeClr>
+                  </a:outerShdw>
+                </a:effectLst>
+              </a:rPr>
+              <a:t>.exe</a:t>
+            </a:r>
+            <a:r>
+              <a:rPr lang="zh-CN" altLang="en-US" sz="2400" dirty="0">
+                <a:ln w="0"/>
+                <a:solidFill>
+                  <a:schemeClr val="tx1"/>
+                </a:solidFill>
+                <a:effectLst>
+                  <a:outerShdw blurRad="38100" dist="19050" dir="2700000" algn="tl" rotWithShape="0">
+                    <a:schemeClr val="dk1">
+                      <a:alpha val="40000"/>
+                    </a:schemeClr>
+                  </a:outerShdw>
+                </a:effectLst>
+              </a:rPr>
+              <a:t>或可执行文件）</a:t>
+            </a:r>
+          </a:p>
+        </p:txBody>
+      </p:sp>
+      <p:sp>
+        <p:nvSpPr>
+          <p:cNvPr id="8" name="箭头: 右 7">
+            <a:extLst>
+              <a:ext uri="{FF2B5EF4-FFF2-40B4-BE49-F238E27FC236}">
+                <a16:creationId xmlns:a16="http://schemas.microsoft.com/office/drawing/2014/main" id="{C8BCCDF5-6E9F-4769-BBC6-7A4B26FBD7BC}"/>
+              </a:ext>
+            </a:extLst>
+          </p:cNvPr>
+          <p:cNvSpPr/>
+          <p:nvPr/>
+        </p:nvSpPr>
+        <p:spPr>
+          <a:xfrm>
+            <a:off x="7473596" y="811001"/>
+            <a:ext cx="1237132" cy="837411"/>
+          </a:xfrm>
+          <a:prstGeom prst="rightArrow">
+            <a:avLst/>
+          </a:prstGeom>
+          <a:solidFill>
+            <a:srgbClr val="FF0000"/>
+          </a:solidFill>
+          <a:ln>
+            <a:noFill/>
+          </a:ln>
+        </p:spPr>
+        <p:style>
+          <a:lnRef idx="2">
+            <a:schemeClr val="accent1">
+              <a:shade val="50000"/>
+            </a:schemeClr>
+          </a:lnRef>
+          <a:fillRef idx="1">
+            <a:schemeClr val="accent1"/>
+          </a:fillRef>
+          <a:effectRef idx="0">
+            <a:schemeClr val="accent1"/>
+          </a:effectRef>
+          <a:fontRef idx="minor">
+            <a:schemeClr val="lt1"/>
+          </a:fontRef>
+        </p:style>
+        <p:txBody>
+          <a:bodyPr rtlCol="0" anchor="ctr"/>
+          <a:lstStyle/>
+          <a:p>
+            <a:pPr algn="ctr"/>
+            <a:endParaRPr lang="zh-CN" altLang="en-US"/>
+          </a:p>
+        </p:txBody>
+      </p:sp>
+      <p:sp>
+        <p:nvSpPr>
+          <p:cNvPr id="5" name="矩形: 折角 4">
+            <a:extLst>
+              <a:ext uri="{FF2B5EF4-FFF2-40B4-BE49-F238E27FC236}">
+                <a16:creationId xmlns:a16="http://schemas.microsoft.com/office/drawing/2014/main" id="{599A6960-766B-4B62-8454-1E888EB071CA}"/>
+              </a:ext>
+            </a:extLst>
+          </p:cNvPr>
+          <p:cNvSpPr/>
+          <p:nvPr/>
+        </p:nvSpPr>
+        <p:spPr>
+          <a:xfrm>
+            <a:off x="266700" y="317500"/>
+            <a:ext cx="2776870" cy="1766845"/>
+          </a:xfrm>
+          <a:prstGeom prst="foldedCorner">
+            <a:avLst>
+              <a:gd name="adj" fmla="val 31771"/>
+            </a:avLst>
+          </a:prstGeom>
+        </p:spPr>
+        <p:style>
+          <a:lnRef idx="1">
+            <a:schemeClr val="accent2"/>
+          </a:lnRef>
+          <a:fillRef idx="2">
+            <a:schemeClr val="accent2"/>
+          </a:fillRef>
+          <a:effectRef idx="1">
+            <a:schemeClr val="accent2"/>
+          </a:effectRef>
+          <a:fontRef idx="minor">
+            <a:schemeClr val="dk1"/>
+          </a:fontRef>
+        </p:style>
+        <p:txBody>
+          <a:bodyPr rtlCol="0" anchor="ctr"/>
+          <a:lstStyle/>
+          <a:p>
+            <a:pPr algn="ctr"/>
+            <a:r>
+              <a:rPr lang="en-US" altLang="zh-CN" sz="3200" dirty="0">
+                <a:ln w="0"/>
+                <a:solidFill>
+                  <a:schemeClr val="tx1"/>
+                </a:solidFill>
+                <a:effectLst>
+                  <a:outerShdw blurRad="38100" dist="19050" dir="2700000" algn="tl" rotWithShape="0">
+                    <a:schemeClr val="dk1">
+                      <a:alpha val="40000"/>
+                    </a:schemeClr>
+                  </a:outerShdw>
+                </a:effectLst>
+              </a:rPr>
+              <a:t>.go</a:t>
+            </a:r>
+            <a:r>
+              <a:rPr lang="zh-CN" altLang="en-US" sz="3200" dirty="0">
+                <a:ln w="0"/>
+                <a:solidFill>
+                  <a:schemeClr val="tx1"/>
+                </a:solidFill>
+                <a:effectLst>
+                  <a:outerShdw blurRad="38100" dist="19050" dir="2700000" algn="tl" rotWithShape="0">
+                    <a:schemeClr val="dk1">
+                      <a:alpha val="40000"/>
+                    </a:schemeClr>
+                  </a:outerShdw>
+                </a:effectLst>
+              </a:rPr>
+              <a:t>文件</a:t>
+            </a:r>
+          </a:p>
+        </p:txBody>
+      </p:sp>
+      <p:sp>
+        <p:nvSpPr>
+          <p:cNvPr id="6" name="箭头: 右 5">
+            <a:extLst>
+              <a:ext uri="{FF2B5EF4-FFF2-40B4-BE49-F238E27FC236}">
+                <a16:creationId xmlns:a16="http://schemas.microsoft.com/office/drawing/2014/main" id="{48F84D52-612C-4B1B-B5D6-ADF33B655CC2}"/>
+              </a:ext>
+            </a:extLst>
+          </p:cNvPr>
+          <p:cNvSpPr/>
+          <p:nvPr/>
+        </p:nvSpPr>
+        <p:spPr>
+          <a:xfrm>
+            <a:off x="3082347" y="811001"/>
+            <a:ext cx="1237132" cy="837411"/>
+          </a:xfrm>
+          <a:prstGeom prst="rightArrow">
+            <a:avLst/>
+          </a:prstGeom>
+          <a:solidFill>
+            <a:srgbClr val="FF0000"/>
+          </a:solidFill>
+          <a:ln>
+            <a:noFill/>
+          </a:ln>
+        </p:spPr>
+        <p:style>
+          <a:lnRef idx="2">
+            <a:schemeClr val="accent1">
+              <a:shade val="50000"/>
+            </a:schemeClr>
+          </a:lnRef>
+          <a:fillRef idx="1">
+            <a:schemeClr val="accent1"/>
+          </a:fillRef>
+          <a:effectRef idx="0">
+            <a:schemeClr val="accent1"/>
+          </a:effectRef>
+          <a:fontRef idx="minor">
+            <a:schemeClr val="lt1"/>
+          </a:fontRef>
+        </p:style>
+        <p:txBody>
+          <a:bodyPr rtlCol="0" anchor="ctr"/>
+          <a:lstStyle/>
+          <a:p>
+            <a:pPr algn="ctr"/>
+            <a:endParaRPr lang="zh-CN" altLang="en-US"/>
+          </a:p>
+        </p:txBody>
+      </p:sp>
+      <p:cxnSp>
+        <p:nvCxnSpPr>
+          <p:cNvPr id="11" name="直接箭头连接符 10">
+            <a:extLst>
+              <a:ext uri="{FF2B5EF4-FFF2-40B4-BE49-F238E27FC236}">
+                <a16:creationId xmlns:a16="http://schemas.microsoft.com/office/drawing/2014/main" id="{F3E4A0D5-B5D3-4A25-92D7-19CA582BF261}"/>
+              </a:ext>
+            </a:extLst>
+          </p:cNvPr>
+          <p:cNvCxnSpPr>
+            <a:cxnSpLocks/>
+            <a:stCxn id="13" idx="0"/>
+            <a:endCxn id="5" idx="2"/>
+          </p:cNvCxnSpPr>
+          <p:nvPr/>
+        </p:nvCxnSpPr>
+        <p:spPr>
+          <a:xfrm flipV="1">
+            <a:off x="1289420" y="2084345"/>
+            <a:ext cx="365715" cy="394262"/>
+          </a:xfrm>
+          <a:prstGeom prst="straightConnector1">
+            <a:avLst/>
+          </a:prstGeom>
+          <a:ln w="38100">
+            <a:tailEnd type="triangle"/>
+          </a:ln>
+        </p:spPr>
+        <p:style>
+          <a:lnRef idx="1">
+            <a:schemeClr val="dk1"/>
+          </a:lnRef>
+          <a:fillRef idx="0">
+            <a:schemeClr val="dk1"/>
+          </a:fillRef>
+          <a:effectRef idx="0">
+            <a:schemeClr val="dk1"/>
+          </a:effectRef>
+          <a:fontRef idx="minor">
+            <a:schemeClr val="tx1"/>
+          </a:fontRef>
+        </p:style>
+      </p:cxnSp>
+      <p:sp>
+        <p:nvSpPr>
+          <p:cNvPr id="13" name="文本框 12">
+            <a:extLst>
+              <a:ext uri="{FF2B5EF4-FFF2-40B4-BE49-F238E27FC236}">
+                <a16:creationId xmlns:a16="http://schemas.microsoft.com/office/drawing/2014/main" id="{778AB6E7-51CE-42A9-A67D-8A61FC8F7811}"/>
+              </a:ext>
+            </a:extLst>
+          </p:cNvPr>
+          <p:cNvSpPr txBox="1"/>
+          <p:nvPr/>
+        </p:nvSpPr>
+        <p:spPr>
+          <a:xfrm>
+            <a:off x="412747" y="2478607"/>
+            <a:ext cx="1753345" cy="369332"/>
+          </a:xfrm>
+          <a:prstGeom prst="rect">
+            <a:avLst/>
+          </a:prstGeom>
+          <a:noFill/>
+          <a:ln>
+            <a:solidFill>
+              <a:schemeClr val="tx1"/>
+            </a:solidFill>
+          </a:ln>
+        </p:spPr>
+        <p:txBody>
+          <a:bodyPr wrap="square" rtlCol="0">
+            <a:spAutoFit/>
+          </a:bodyPr>
+          <a:lstStyle/>
+          <a:p>
+            <a:pPr algn="ctr"/>
+            <a:r>
+              <a:rPr lang="zh-CN" altLang="en-US" dirty="0"/>
+              <a:t>源文件</a:t>
+            </a:r>
+          </a:p>
+        </p:txBody>
+      </p:sp>
+      <p:cxnSp>
+        <p:nvCxnSpPr>
+          <p:cNvPr id="14" name="直接箭头连接符 13">
+            <a:extLst>
+              <a:ext uri="{FF2B5EF4-FFF2-40B4-BE49-F238E27FC236}">
+                <a16:creationId xmlns:a16="http://schemas.microsoft.com/office/drawing/2014/main" id="{B81FFFC5-E4CA-4D7A-8691-46D64571D892}"/>
+              </a:ext>
+            </a:extLst>
+          </p:cNvPr>
+          <p:cNvCxnSpPr>
+            <a:cxnSpLocks/>
+            <a:stCxn id="15" idx="0"/>
+            <a:endCxn id="7" idx="2"/>
+          </p:cNvCxnSpPr>
+          <p:nvPr/>
+        </p:nvCxnSpPr>
+        <p:spPr>
+          <a:xfrm flipV="1">
+            <a:off x="5534622" y="2084345"/>
+            <a:ext cx="511762" cy="394262"/>
+          </a:xfrm>
+          <a:prstGeom prst="straightConnector1">
+            <a:avLst/>
+          </a:prstGeom>
+          <a:ln w="38100">
+            <a:tailEnd type="triangle"/>
+          </a:ln>
+        </p:spPr>
+        <p:style>
+          <a:lnRef idx="1">
+            <a:schemeClr val="dk1"/>
+          </a:lnRef>
+          <a:fillRef idx="0">
+            <a:schemeClr val="dk1"/>
+          </a:fillRef>
+          <a:effectRef idx="0">
+            <a:schemeClr val="dk1"/>
+          </a:effectRef>
+          <a:fontRef idx="minor">
+            <a:schemeClr val="tx1"/>
+          </a:fontRef>
+        </p:style>
+      </p:cxnSp>
+      <p:sp>
+        <p:nvSpPr>
+          <p:cNvPr id="15" name="文本框 14">
+            <a:extLst>
+              <a:ext uri="{FF2B5EF4-FFF2-40B4-BE49-F238E27FC236}">
+                <a16:creationId xmlns:a16="http://schemas.microsoft.com/office/drawing/2014/main" id="{C2C6BCC8-F6D0-451A-B0D7-1D769D737971}"/>
+              </a:ext>
+            </a:extLst>
+          </p:cNvPr>
+          <p:cNvSpPr txBox="1"/>
+          <p:nvPr/>
+        </p:nvSpPr>
+        <p:spPr>
+          <a:xfrm>
+            <a:off x="4657949" y="2478607"/>
+            <a:ext cx="1753345" cy="369332"/>
+          </a:xfrm>
+          <a:prstGeom prst="rect">
+            <a:avLst/>
+          </a:prstGeom>
+          <a:noFill/>
+          <a:ln>
+            <a:solidFill>
+              <a:schemeClr val="tx1"/>
+            </a:solidFill>
+          </a:ln>
+        </p:spPr>
+        <p:txBody>
+          <a:bodyPr wrap="square" rtlCol="0">
+            <a:spAutoFit/>
+          </a:bodyPr>
+          <a:lstStyle/>
+          <a:p>
+            <a:pPr algn="ctr"/>
+            <a:r>
+              <a:rPr lang="zh-CN" altLang="en-US" dirty="0"/>
+              <a:t>可执行文件</a:t>
+            </a:r>
+          </a:p>
+        </p:txBody>
+      </p:sp>
+      <p:sp>
+        <p:nvSpPr>
+          <p:cNvPr id="17" name="文本框 16">
+            <a:extLst>
+              <a:ext uri="{FF2B5EF4-FFF2-40B4-BE49-F238E27FC236}">
+                <a16:creationId xmlns:a16="http://schemas.microsoft.com/office/drawing/2014/main" id="{53249F23-DAEC-4CEC-A5BF-B637E75BC74F}"/>
+              </a:ext>
+            </a:extLst>
+          </p:cNvPr>
+          <p:cNvSpPr txBox="1"/>
+          <p:nvPr/>
+        </p:nvSpPr>
+        <p:spPr>
+          <a:xfrm>
+            <a:off x="3215970" y="361197"/>
+            <a:ext cx="1076930" cy="369332"/>
+          </a:xfrm>
+          <a:prstGeom prst="rect">
+            <a:avLst/>
+          </a:prstGeom>
+          <a:noFill/>
+        </p:spPr>
+        <p:txBody>
+          <a:bodyPr wrap="square" rtlCol="0">
+            <a:spAutoFit/>
+          </a:bodyPr>
+          <a:lstStyle/>
+          <a:p>
+            <a:r>
+              <a:rPr lang="en-US" altLang="zh-CN" dirty="0"/>
+              <a:t>go build</a:t>
+            </a:r>
+            <a:endParaRPr lang="zh-CN" altLang="en-US" dirty="0"/>
+          </a:p>
+        </p:txBody>
+      </p:sp>
+      <p:sp>
+        <p:nvSpPr>
+          <p:cNvPr id="18" name="文本框 17">
+            <a:extLst>
+              <a:ext uri="{FF2B5EF4-FFF2-40B4-BE49-F238E27FC236}">
+                <a16:creationId xmlns:a16="http://schemas.microsoft.com/office/drawing/2014/main" id="{5DB686FE-8FA5-4549-B186-C6D83CC4852C}"/>
+              </a:ext>
+            </a:extLst>
+          </p:cNvPr>
+          <p:cNvSpPr txBox="1"/>
+          <p:nvPr/>
+        </p:nvSpPr>
+        <p:spPr>
+          <a:xfrm>
+            <a:off x="3051165" y="1698092"/>
+            <a:ext cx="1076930" cy="369332"/>
+          </a:xfrm>
+          <a:prstGeom prst="rect">
+            <a:avLst/>
+          </a:prstGeom>
+          <a:noFill/>
+        </p:spPr>
+        <p:txBody>
+          <a:bodyPr wrap="square" rtlCol="0">
+            <a:spAutoFit/>
+          </a:bodyPr>
+          <a:lstStyle/>
+          <a:p>
+            <a:pPr algn="ctr"/>
+            <a:r>
+              <a:rPr lang="zh-CN" altLang="en-US" dirty="0"/>
+              <a:t>编译</a:t>
+            </a:r>
+          </a:p>
+        </p:txBody>
+      </p:sp>
+      <p:sp>
+        <p:nvSpPr>
+          <p:cNvPr id="57" name="矩形: 折角 56">
+            <a:extLst>
+              <a:ext uri="{FF2B5EF4-FFF2-40B4-BE49-F238E27FC236}">
+                <a16:creationId xmlns:a16="http://schemas.microsoft.com/office/drawing/2014/main" id="{9167550F-547B-4E70-B6E3-FA01D79BAA0E}"/>
+              </a:ext>
+            </a:extLst>
+          </p:cNvPr>
+          <p:cNvSpPr/>
+          <p:nvPr/>
+        </p:nvSpPr>
+        <p:spPr>
+          <a:xfrm>
+            <a:off x="6046384" y="3817850"/>
+            <a:ext cx="2776870" cy="1766845"/>
+          </a:xfrm>
+          <a:prstGeom prst="foldedCorner">
+            <a:avLst>
+              <a:gd name="adj" fmla="val 31771"/>
+            </a:avLst>
+          </a:prstGeom>
+        </p:spPr>
+        <p:style>
+          <a:lnRef idx="1">
+            <a:schemeClr val="accent2"/>
+          </a:lnRef>
+          <a:fillRef idx="2">
+            <a:schemeClr val="accent2"/>
+          </a:fillRef>
+          <a:effectRef idx="1">
+            <a:schemeClr val="accent2"/>
+          </a:effectRef>
+          <a:fontRef idx="minor">
+            <a:schemeClr val="dk1"/>
+          </a:fontRef>
+        </p:style>
+        <p:txBody>
+          <a:bodyPr rtlCol="0" anchor="ctr"/>
+          <a:lstStyle/>
+          <a:p>
+            <a:pPr algn="ctr"/>
+            <a:r>
+              <a:rPr lang="zh-CN" altLang="en-US" sz="3200" dirty="0">
+                <a:ln w="0"/>
+                <a:solidFill>
+                  <a:schemeClr val="tx1"/>
+                </a:solidFill>
+                <a:effectLst>
+                  <a:outerShdw blurRad="38100" dist="19050" dir="2700000" algn="tl" rotWithShape="0">
+                    <a:schemeClr val="dk1">
+                      <a:alpha val="40000"/>
+                    </a:schemeClr>
+                  </a:outerShdw>
+                </a:effectLst>
+              </a:rPr>
+              <a:t>结果</a:t>
+            </a:r>
+          </a:p>
+        </p:txBody>
+      </p:sp>
+      <p:sp>
+        <p:nvSpPr>
+          <p:cNvPr id="60" name="矩形: 折角 59">
+            <a:extLst>
+              <a:ext uri="{FF2B5EF4-FFF2-40B4-BE49-F238E27FC236}">
+                <a16:creationId xmlns:a16="http://schemas.microsoft.com/office/drawing/2014/main" id="{53D61BE5-8057-4FA0-9A61-A28711597FCF}"/>
+              </a:ext>
+            </a:extLst>
+          </p:cNvPr>
+          <p:cNvSpPr/>
+          <p:nvPr/>
+        </p:nvSpPr>
+        <p:spPr>
+          <a:xfrm>
+            <a:off x="266700" y="3834269"/>
+            <a:ext cx="2776870" cy="1766845"/>
+          </a:xfrm>
+          <a:prstGeom prst="foldedCorner">
+            <a:avLst>
+              <a:gd name="adj" fmla="val 31771"/>
+            </a:avLst>
+          </a:prstGeom>
+        </p:spPr>
+        <p:style>
+          <a:lnRef idx="1">
+            <a:schemeClr val="accent2"/>
+          </a:lnRef>
+          <a:fillRef idx="2">
+            <a:schemeClr val="accent2"/>
+          </a:fillRef>
+          <a:effectRef idx="1">
+            <a:schemeClr val="accent2"/>
+          </a:effectRef>
+          <a:fontRef idx="minor">
+            <a:schemeClr val="dk1"/>
+          </a:fontRef>
+        </p:style>
+        <p:txBody>
+          <a:bodyPr rtlCol="0" anchor="ctr"/>
+          <a:lstStyle/>
+          <a:p>
+            <a:pPr algn="ctr"/>
+            <a:r>
+              <a:rPr lang="en-US" altLang="zh-CN" sz="3200" dirty="0">
+                <a:ln w="0"/>
+                <a:solidFill>
+                  <a:schemeClr val="tx1"/>
+                </a:solidFill>
+                <a:effectLst>
+                  <a:outerShdw blurRad="38100" dist="19050" dir="2700000" algn="tl" rotWithShape="0">
+                    <a:schemeClr val="dk1">
+                      <a:alpha val="40000"/>
+                    </a:schemeClr>
+                  </a:outerShdw>
+                </a:effectLst>
+              </a:rPr>
+              <a:t>.go</a:t>
+            </a:r>
+            <a:r>
+              <a:rPr lang="zh-CN" altLang="en-US" sz="3200" dirty="0">
+                <a:ln w="0"/>
+                <a:solidFill>
+                  <a:schemeClr val="tx1"/>
+                </a:solidFill>
+                <a:effectLst>
+                  <a:outerShdw blurRad="38100" dist="19050" dir="2700000" algn="tl" rotWithShape="0">
+                    <a:schemeClr val="dk1">
+                      <a:alpha val="40000"/>
+                    </a:schemeClr>
+                  </a:outerShdw>
+                </a:effectLst>
+              </a:rPr>
+              <a:t>文件</a:t>
+            </a:r>
+          </a:p>
+        </p:txBody>
+      </p:sp>
+      <p:sp>
+        <p:nvSpPr>
+          <p:cNvPr id="61" name="箭头: 右 60">
+            <a:extLst>
+              <a:ext uri="{FF2B5EF4-FFF2-40B4-BE49-F238E27FC236}">
+                <a16:creationId xmlns:a16="http://schemas.microsoft.com/office/drawing/2014/main" id="{57F23252-8A1F-40DA-B5FE-C9884C5C2DB1}"/>
+              </a:ext>
+            </a:extLst>
+          </p:cNvPr>
+          <p:cNvSpPr/>
+          <p:nvPr/>
+        </p:nvSpPr>
+        <p:spPr>
+          <a:xfrm>
+            <a:off x="3082346" y="4327770"/>
+            <a:ext cx="2964037" cy="837411"/>
+          </a:xfrm>
+          <a:prstGeom prst="rightArrow">
+            <a:avLst/>
+          </a:prstGeom>
+          <a:solidFill>
+            <a:srgbClr val="FF0000"/>
+          </a:solidFill>
+          <a:ln>
+            <a:noFill/>
+          </a:ln>
+        </p:spPr>
+        <p:style>
+          <a:lnRef idx="2">
+            <a:schemeClr val="accent1">
+              <a:shade val="50000"/>
+            </a:schemeClr>
+          </a:lnRef>
+          <a:fillRef idx="1">
+            <a:schemeClr val="accent1"/>
+          </a:fillRef>
+          <a:effectRef idx="0">
+            <a:schemeClr val="accent1"/>
+          </a:effectRef>
+          <a:fontRef idx="minor">
+            <a:schemeClr val="lt1"/>
+          </a:fontRef>
+        </p:style>
+        <p:txBody>
+          <a:bodyPr rtlCol="0" anchor="ctr"/>
+          <a:lstStyle/>
+          <a:p>
+            <a:pPr algn="ctr"/>
+            <a:endParaRPr lang="zh-CN" altLang="en-US"/>
+          </a:p>
+        </p:txBody>
+      </p:sp>
+      <p:cxnSp>
+        <p:nvCxnSpPr>
+          <p:cNvPr id="62" name="直接箭头连接符 61">
+            <a:extLst>
+              <a:ext uri="{FF2B5EF4-FFF2-40B4-BE49-F238E27FC236}">
+                <a16:creationId xmlns:a16="http://schemas.microsoft.com/office/drawing/2014/main" id="{022985F3-E82D-46A3-B2A0-1F184E509BE8}"/>
+              </a:ext>
+            </a:extLst>
+          </p:cNvPr>
+          <p:cNvCxnSpPr>
+            <a:cxnSpLocks/>
+            <a:stCxn id="63" idx="0"/>
+            <a:endCxn id="60" idx="2"/>
+          </p:cNvCxnSpPr>
+          <p:nvPr/>
+        </p:nvCxnSpPr>
+        <p:spPr>
+          <a:xfrm flipV="1">
+            <a:off x="1289420" y="5601114"/>
+            <a:ext cx="365715" cy="394262"/>
+          </a:xfrm>
+          <a:prstGeom prst="straightConnector1">
+            <a:avLst/>
+          </a:prstGeom>
+          <a:ln w="38100">
+            <a:tailEnd type="triangle"/>
+          </a:ln>
+        </p:spPr>
+        <p:style>
+          <a:lnRef idx="1">
+            <a:schemeClr val="dk1"/>
+          </a:lnRef>
+          <a:fillRef idx="0">
+            <a:schemeClr val="dk1"/>
+          </a:fillRef>
+          <a:effectRef idx="0">
+            <a:schemeClr val="dk1"/>
+          </a:effectRef>
+          <a:fontRef idx="minor">
+            <a:schemeClr val="tx1"/>
+          </a:fontRef>
+        </p:style>
+      </p:cxnSp>
+      <p:sp>
+        <p:nvSpPr>
+          <p:cNvPr id="63" name="文本框 62">
+            <a:extLst>
+              <a:ext uri="{FF2B5EF4-FFF2-40B4-BE49-F238E27FC236}">
+                <a16:creationId xmlns:a16="http://schemas.microsoft.com/office/drawing/2014/main" id="{EDD1BC81-FE56-4AF3-AAEC-F6B12F289251}"/>
+              </a:ext>
+            </a:extLst>
+          </p:cNvPr>
+          <p:cNvSpPr txBox="1"/>
+          <p:nvPr/>
+        </p:nvSpPr>
+        <p:spPr>
+          <a:xfrm>
+            <a:off x="412747" y="5995376"/>
+            <a:ext cx="1753345" cy="369332"/>
+          </a:xfrm>
+          <a:prstGeom prst="rect">
+            <a:avLst/>
+          </a:prstGeom>
+          <a:noFill/>
+          <a:ln>
+            <a:solidFill>
+              <a:schemeClr val="tx1"/>
+            </a:solidFill>
+          </a:ln>
+        </p:spPr>
+        <p:txBody>
+          <a:bodyPr wrap="square" rtlCol="0">
+            <a:spAutoFit/>
+          </a:bodyPr>
+          <a:lstStyle/>
+          <a:p>
+            <a:pPr algn="ctr"/>
+            <a:r>
+              <a:rPr lang="zh-CN" altLang="en-US" dirty="0"/>
+              <a:t>源文件</a:t>
+            </a:r>
+          </a:p>
+        </p:txBody>
+      </p:sp>
+      <p:sp>
+        <p:nvSpPr>
+          <p:cNvPr id="66" name="文本框 65">
+            <a:extLst>
+              <a:ext uri="{FF2B5EF4-FFF2-40B4-BE49-F238E27FC236}">
+                <a16:creationId xmlns:a16="http://schemas.microsoft.com/office/drawing/2014/main" id="{252589C2-B70A-4C9C-94C9-8B2B56C951E0}"/>
+              </a:ext>
+            </a:extLst>
+          </p:cNvPr>
+          <p:cNvSpPr txBox="1"/>
+          <p:nvPr/>
+        </p:nvSpPr>
+        <p:spPr>
+          <a:xfrm>
+            <a:off x="3901133" y="3958438"/>
+            <a:ext cx="1076930" cy="369332"/>
+          </a:xfrm>
+          <a:prstGeom prst="rect">
+            <a:avLst/>
+          </a:prstGeom>
+          <a:noFill/>
+        </p:spPr>
+        <p:txBody>
+          <a:bodyPr wrap="square" rtlCol="0">
+            <a:spAutoFit/>
+          </a:bodyPr>
+          <a:lstStyle/>
+          <a:p>
+            <a:pPr algn="ctr"/>
+            <a:r>
+              <a:rPr lang="en-US" altLang="zh-CN" dirty="0"/>
+              <a:t>go run</a:t>
+            </a:r>
+            <a:endParaRPr lang="zh-CN" altLang="en-US" dirty="0"/>
+          </a:p>
+        </p:txBody>
+      </p:sp>
+      <p:sp>
+        <p:nvSpPr>
+          <p:cNvPr id="67" name="文本框 66">
+            <a:extLst>
+              <a:ext uri="{FF2B5EF4-FFF2-40B4-BE49-F238E27FC236}">
+                <a16:creationId xmlns:a16="http://schemas.microsoft.com/office/drawing/2014/main" id="{33240483-0D58-4FEB-87B4-057B65BE1707}"/>
+              </a:ext>
+            </a:extLst>
+          </p:cNvPr>
+          <p:cNvSpPr txBox="1"/>
+          <p:nvPr/>
+        </p:nvSpPr>
+        <p:spPr>
+          <a:xfrm>
+            <a:off x="3051164" y="5214861"/>
+            <a:ext cx="2776869" cy="369332"/>
+          </a:xfrm>
+          <a:prstGeom prst="rect">
+            <a:avLst/>
+          </a:prstGeom>
+          <a:noFill/>
+        </p:spPr>
+        <p:txBody>
+          <a:bodyPr wrap="square" rtlCol="0">
+            <a:spAutoFit/>
+          </a:bodyPr>
+          <a:lstStyle/>
+          <a:p>
+            <a:pPr algn="ctr"/>
+            <a:r>
+              <a:rPr lang="zh-CN" altLang="en-US" dirty="0"/>
+              <a:t>编译运行一步</a:t>
+            </a:r>
+          </a:p>
+        </p:txBody>
+      </p:sp>
+    </p:spTree>
+    <p:extLst>
+      <p:ext uri="{BB962C8B-B14F-4D97-AF65-F5344CB8AC3E}">
+        <p14:creationId xmlns:p14="http://schemas.microsoft.com/office/powerpoint/2010/main" val="2878238544"/>
+      </p:ext>
+    </p:extLst>
+  </p:cSld>
+  <p:clrMapOvr>
+    <a:masterClrMapping/>
+  </p:clrMapOvr>
+</p:sld>
+</file>
+
+<file path=ppt/slides/slide4.xml><?xml version="1.0" encoding="utf-8"?>
+<p:sld xmlns:a="http://schemas.openxmlformats.org/drawingml/2006/main" xmlns:r="http://schemas.openxmlformats.org/officeDocument/2006/relationships" xmlns:p="http://schemas.openxmlformats.org/presentationml/2006/main">
+  <p:cSld>
+    <p:spTree>
+      <p:nvGrpSpPr>
+        <p:cNvPr id="1" name=""/>
+        <p:cNvGrpSpPr/>
+        <p:nvPr/>
+      </p:nvGrpSpPr>
+      <p:grpSpPr>
+        <a:xfrm>
+          <a:off x="0" y="0"/>
+          <a:ext cx="0" cy="0"/>
+          <a:chOff x="0" y="0"/>
+          <a:chExt cx="0" cy="0"/>
+        </a:xfrm>
+      </p:grpSpPr>
+    </p:spTree>
+    <p:extLst>
+      <p:ext uri="{BB962C8B-B14F-4D97-AF65-F5344CB8AC3E}">
+        <p14:creationId xmlns:p14="http://schemas.microsoft.com/office/powerpoint/2010/main" val="488521404"/>
+      </p:ext>
+    </p:extLst>
+  </p:cSld>
+  <p:clrMapOvr>
+    <a:masterClrMapping/>
+  </p:clrMapOvr>
+</p:sld>
+</file>
+
+<file path=ppt/slides/slide5.xml><?xml version="1.0" encoding="utf-8"?>
+<p:sld xmlns:a="http://schemas.openxmlformats.org/drawingml/2006/main" xmlns:r="http://schemas.openxmlformats.org/officeDocument/2006/relationships" xmlns:p="http://schemas.openxmlformats.org/presentationml/2006/main">
+  <p:cSld>
+    <p:spTree>
+      <p:nvGrpSpPr>
+        <p:cNvPr id="1" name=""/>
+        <p:cNvGrpSpPr/>
+        <p:nvPr/>
+      </p:nvGrpSpPr>
+      <p:grpSpPr>
+        <a:xfrm>
+          <a:off x="0" y="0"/>
+          <a:ext cx="0" cy="0"/>
+          <a:chOff x="0" y="0"/>
+          <a:chExt cx="0" cy="0"/>
+        </a:xfrm>
+      </p:grpSpPr>
+    </p:spTree>
+    <p:extLst>
+      <p:ext uri="{BB962C8B-B14F-4D97-AF65-F5344CB8AC3E}">
+        <p14:creationId xmlns:p14="http://schemas.microsoft.com/office/powerpoint/2010/main" val="3570510813"/>
+      </p:ext>
+    </p:extLst>
+  </p:cSld>
+  <p:clrMapOvr>
+    <a:masterClrMapping/>
+  </p:clrMapOvr>
+</p:sld>
+</file>
+
 <file path=ppt/theme/theme1.xml><?xml version="1.0" encoding="utf-8"?>
 <a:theme xmlns:a="http://schemas.openxmlformats.org/drawingml/2006/main" name="Office 主题​​">
   <a:themeElements>
